--- a/asyn2.pptx
+++ b/asyn2.pptx
@@ -111,6 +111,11 @@
       </a:defRPr>
     </a:lvl9pPr>
   </p:defaultTextStyle>
+  <p:extLst>
+    <p:ext uri="{EFAFB233-063F-42B5-8137-9DF3F51BA10A}">
+      <p15:sldGuideLst xmlns:p15="http://schemas.microsoft.com/office/powerpoint/2012/main"/>
+    </p:ext>
+  </p:extLst>
 </p:presentation>
 </file>
 
@@ -196,7 +201,7 @@
           <a:p>
             <a:fld id="{026A3B74-8846-4F4E-BE7D-C773A3DB6A26}" type="datetimeFigureOut">
               <a:rPr lang="en-US" smtClean="0"/>
-              <a:t>6/3/2024</a:t>
+              <a:t>6/5/2024</a:t>
             </a:fld>
             <a:endParaRPr lang="en-US"/>
           </a:p>
@@ -1542,7 +1547,19 @@
                 <a:ea typeface="+mn-ea"/>
                 <a:cs typeface="+mn-cs"/>
               </a:rPr>
-              <a:t> để chạy mã không đồng bộ. </a:t>
+              <a:t> để chạy mã không đồng </a:t>
+            </a:r>
+            <a:r>
+              <a:rPr lang="vi-VN" sz="1200" b="0" i="0" kern="1200" dirty="0" smtClean="0">
+                <a:solidFill>
+                  <a:schemeClr val="tx1"/>
+                </a:solidFill>
+                <a:effectLst/>
+                <a:latin typeface="+mn-lt"/>
+                <a:ea typeface="+mn-ea"/>
+                <a:cs typeface="+mn-cs"/>
+              </a:rPr>
+              <a:t>bộ</a:t>
             </a:r>
             <a:r>
               <a:rPr lang="en-US" sz="1200" b="0" i="0" kern="1200" dirty="0" smtClean="0">
@@ -1554,7 +1571,19 @@
                 <a:ea typeface="+mn-ea"/>
                 <a:cs typeface="+mn-cs"/>
               </a:rPr>
-              <a:t>Task</a:t>
+              <a:t>,</a:t>
+            </a:r>
+            <a:r>
+              <a:rPr lang="en-US" sz="1200" b="0" i="0" kern="1200" baseline="0" dirty="0" smtClean="0">
+                <a:solidFill>
+                  <a:schemeClr val="tx1"/>
+                </a:solidFill>
+                <a:effectLst/>
+                <a:latin typeface="+mn-lt"/>
+                <a:ea typeface="+mn-ea"/>
+                <a:cs typeface="+mn-cs"/>
+              </a:rPr>
+              <a:t> </a:t>
             </a:r>
             <a:r>
               <a:rPr lang="vi-VN" sz="1200" b="0" i="0" kern="1200" dirty="0" smtClean="0">
@@ -1566,7 +1595,391 @@
                 <a:ea typeface="+mn-ea"/>
                 <a:cs typeface="+mn-cs"/>
               </a:rPr>
-              <a:t> biểu thị một đơn vị công việc cần được thực thi không đồng bộ và nó có thể trả về hoặc không trả về một giá trị.</a:t>
+              <a:t>nó </a:t>
+            </a:r>
+            <a:r>
+              <a:rPr lang="vi-VN" sz="1200" b="0" i="0" kern="1200" dirty="0" smtClean="0">
+                <a:solidFill>
+                  <a:schemeClr val="tx1"/>
+                </a:solidFill>
+                <a:effectLst/>
+                <a:latin typeface="+mn-lt"/>
+                <a:ea typeface="+mn-ea"/>
+                <a:cs typeface="+mn-cs"/>
+              </a:rPr>
+              <a:t>có thể trả về hoặc không trả về một giá </a:t>
+            </a:r>
+            <a:r>
+              <a:rPr lang="vi-VN" sz="1200" b="0" i="0" kern="1200" dirty="0" smtClean="0">
+                <a:solidFill>
+                  <a:schemeClr val="tx1"/>
+                </a:solidFill>
+                <a:effectLst/>
+                <a:latin typeface="+mn-lt"/>
+                <a:ea typeface="+mn-ea"/>
+                <a:cs typeface="+mn-cs"/>
+              </a:rPr>
+              <a:t>trị</a:t>
+            </a:r>
+            <a:r>
+              <a:rPr lang="en-US" sz="1200" b="0" i="0" kern="1200" dirty="0" smtClean="0">
+                <a:solidFill>
+                  <a:schemeClr val="tx1"/>
+                </a:solidFill>
+                <a:effectLst/>
+                <a:latin typeface="+mn-lt"/>
+                <a:ea typeface="+mn-ea"/>
+                <a:cs typeface="+mn-cs"/>
+              </a:rPr>
+              <a:t>.</a:t>
+            </a:r>
+            <a:r>
+              <a:rPr lang="en-US" sz="1200" b="0" i="0" kern="1200" baseline="0" dirty="0" smtClean="0">
+                <a:solidFill>
+                  <a:schemeClr val="tx1"/>
+                </a:solidFill>
+                <a:effectLst/>
+                <a:latin typeface="+mn-lt"/>
+                <a:ea typeface="+mn-ea"/>
+                <a:cs typeface="+mn-cs"/>
+              </a:rPr>
+              <a:t> </a:t>
+            </a:r>
+            <a:r>
+              <a:rPr lang="en-US" sz="1200" b="0" i="0" kern="1200" baseline="0" dirty="0" err="1" smtClean="0">
+                <a:solidFill>
+                  <a:schemeClr val="tx1"/>
+                </a:solidFill>
+                <a:effectLst/>
+                <a:latin typeface="+mn-lt"/>
+                <a:ea typeface="+mn-ea"/>
+                <a:cs typeface="+mn-cs"/>
+              </a:rPr>
+              <a:t>Điều</a:t>
+            </a:r>
+            <a:r>
+              <a:rPr lang="en-US" sz="1200" b="0" i="0" kern="1200" baseline="0" dirty="0" smtClean="0">
+                <a:solidFill>
+                  <a:schemeClr val="tx1"/>
+                </a:solidFill>
+                <a:effectLst/>
+                <a:latin typeface="+mn-lt"/>
+                <a:ea typeface="+mn-ea"/>
+                <a:cs typeface="+mn-cs"/>
+              </a:rPr>
+              <a:t> </a:t>
+            </a:r>
+            <a:r>
+              <a:rPr lang="en-US" sz="1200" b="0" i="0" kern="1200" baseline="0" dirty="0" err="1" smtClean="0">
+                <a:solidFill>
+                  <a:schemeClr val="tx1"/>
+                </a:solidFill>
+                <a:effectLst/>
+                <a:latin typeface="+mn-lt"/>
+                <a:ea typeface="+mn-ea"/>
+                <a:cs typeface="+mn-cs"/>
+              </a:rPr>
+              <a:t>này</a:t>
+            </a:r>
+            <a:r>
+              <a:rPr lang="en-US" sz="1200" b="0" i="0" kern="1200" baseline="0" dirty="0" smtClean="0">
+                <a:solidFill>
+                  <a:schemeClr val="tx1"/>
+                </a:solidFill>
+                <a:effectLst/>
+                <a:latin typeface="+mn-lt"/>
+                <a:ea typeface="+mn-ea"/>
+                <a:cs typeface="+mn-cs"/>
+              </a:rPr>
+              <a:t> </a:t>
+            </a:r>
+            <a:r>
+              <a:rPr lang="en-US" sz="1200" b="0" i="0" kern="1200" baseline="0" dirty="0" err="1" smtClean="0">
+                <a:solidFill>
+                  <a:schemeClr val="tx1"/>
+                </a:solidFill>
+                <a:effectLst/>
+                <a:latin typeface="+mn-lt"/>
+                <a:ea typeface="+mn-ea"/>
+                <a:cs typeface="+mn-cs"/>
+              </a:rPr>
+              <a:t>khiến</a:t>
+            </a:r>
+            <a:r>
+              <a:rPr lang="en-US" sz="1200" b="0" i="0" kern="1200" baseline="0" dirty="0" smtClean="0">
+                <a:solidFill>
+                  <a:schemeClr val="tx1"/>
+                </a:solidFill>
+                <a:effectLst/>
+                <a:latin typeface="+mn-lt"/>
+                <a:ea typeface="+mn-ea"/>
+                <a:cs typeface="+mn-cs"/>
+              </a:rPr>
+              <a:t> </a:t>
+            </a:r>
+            <a:r>
+              <a:rPr lang="en-US" sz="1200" b="0" i="0" kern="1200" baseline="0" dirty="0" err="1" smtClean="0">
+                <a:solidFill>
+                  <a:schemeClr val="tx1"/>
+                </a:solidFill>
+                <a:effectLst/>
+                <a:latin typeface="+mn-lt"/>
+                <a:ea typeface="+mn-ea"/>
+                <a:cs typeface="+mn-cs"/>
+              </a:rPr>
+              <a:t>nó</a:t>
+            </a:r>
+            <a:r>
+              <a:rPr lang="en-US" sz="1200" b="0" i="0" kern="1200" baseline="0" dirty="0" smtClean="0">
+                <a:solidFill>
+                  <a:schemeClr val="tx1"/>
+                </a:solidFill>
+                <a:effectLst/>
+                <a:latin typeface="+mn-lt"/>
+                <a:ea typeface="+mn-ea"/>
+                <a:cs typeface="+mn-cs"/>
+              </a:rPr>
+              <a:t> </a:t>
+            </a:r>
+            <a:r>
+              <a:rPr lang="en-US" sz="1200" b="0" i="0" kern="1200" baseline="0" dirty="0" err="1" smtClean="0">
+                <a:solidFill>
+                  <a:schemeClr val="tx1"/>
+                </a:solidFill>
+                <a:effectLst/>
+                <a:latin typeface="+mn-lt"/>
+                <a:ea typeface="+mn-ea"/>
+                <a:cs typeface="+mn-cs"/>
+              </a:rPr>
+              <a:t>trở</a:t>
+            </a:r>
+            <a:r>
+              <a:rPr lang="en-US" sz="1200" b="0" i="0" kern="1200" baseline="0" dirty="0" smtClean="0">
+                <a:solidFill>
+                  <a:schemeClr val="tx1"/>
+                </a:solidFill>
+                <a:effectLst/>
+                <a:latin typeface="+mn-lt"/>
+                <a:ea typeface="+mn-ea"/>
+                <a:cs typeface="+mn-cs"/>
+              </a:rPr>
+              <a:t> </a:t>
+            </a:r>
+            <a:r>
+              <a:rPr lang="en-US" sz="1200" b="0" i="0" kern="1200" baseline="0" dirty="0" err="1" smtClean="0">
+                <a:solidFill>
+                  <a:schemeClr val="tx1"/>
+                </a:solidFill>
+                <a:effectLst/>
+                <a:latin typeface="+mn-lt"/>
+                <a:ea typeface="+mn-ea"/>
+                <a:cs typeface="+mn-cs"/>
+              </a:rPr>
+              <a:t>nên</a:t>
+            </a:r>
+            <a:r>
+              <a:rPr lang="en-US" sz="1200" b="0" i="0" kern="1200" baseline="0" dirty="0" smtClean="0">
+                <a:solidFill>
+                  <a:schemeClr val="tx1"/>
+                </a:solidFill>
+                <a:effectLst/>
+                <a:latin typeface="+mn-lt"/>
+                <a:ea typeface="+mn-ea"/>
+                <a:cs typeface="+mn-cs"/>
+              </a:rPr>
+              <a:t> </a:t>
+            </a:r>
+            <a:r>
+              <a:rPr lang="en-US" sz="1200" b="0" i="0" kern="1200" baseline="0" dirty="0" err="1" smtClean="0">
+                <a:solidFill>
+                  <a:schemeClr val="tx1"/>
+                </a:solidFill>
+                <a:effectLst/>
+                <a:latin typeface="+mn-lt"/>
+                <a:ea typeface="+mn-ea"/>
+                <a:cs typeface="+mn-cs"/>
+              </a:rPr>
+              <a:t>dễ</a:t>
+            </a:r>
+            <a:r>
+              <a:rPr lang="en-US" sz="1200" b="0" i="0" kern="1200" baseline="0" dirty="0" smtClean="0">
+                <a:solidFill>
+                  <a:schemeClr val="tx1"/>
+                </a:solidFill>
+                <a:effectLst/>
+                <a:latin typeface="+mn-lt"/>
+                <a:ea typeface="+mn-ea"/>
+                <a:cs typeface="+mn-cs"/>
+              </a:rPr>
+              <a:t> </a:t>
+            </a:r>
+            <a:r>
+              <a:rPr lang="en-US" sz="1200" b="0" i="0" kern="1200" baseline="0" dirty="0" err="1" smtClean="0">
+                <a:solidFill>
+                  <a:schemeClr val="tx1"/>
+                </a:solidFill>
+                <a:effectLst/>
+                <a:latin typeface="+mn-lt"/>
+                <a:ea typeface="+mn-ea"/>
+                <a:cs typeface="+mn-cs"/>
+              </a:rPr>
+              <a:t>sử</a:t>
+            </a:r>
+            <a:r>
+              <a:rPr lang="en-US" sz="1200" b="0" i="0" kern="1200" baseline="0" dirty="0" smtClean="0">
+                <a:solidFill>
+                  <a:schemeClr val="tx1"/>
+                </a:solidFill>
+                <a:effectLst/>
+                <a:latin typeface="+mn-lt"/>
+                <a:ea typeface="+mn-ea"/>
+                <a:cs typeface="+mn-cs"/>
+              </a:rPr>
+              <a:t> </a:t>
+            </a:r>
+            <a:r>
+              <a:rPr lang="en-US" sz="1200" b="0" i="0" kern="1200" baseline="0" dirty="0" err="1" smtClean="0">
+                <a:solidFill>
+                  <a:schemeClr val="tx1"/>
+                </a:solidFill>
+                <a:effectLst/>
+                <a:latin typeface="+mn-lt"/>
+                <a:ea typeface="+mn-ea"/>
+                <a:cs typeface="+mn-cs"/>
+              </a:rPr>
+              <a:t>dụng</a:t>
+            </a:r>
+            <a:r>
+              <a:rPr lang="en-US" sz="1200" b="0" i="0" kern="1200" baseline="0" dirty="0" smtClean="0">
+                <a:solidFill>
+                  <a:schemeClr val="tx1"/>
+                </a:solidFill>
+                <a:effectLst/>
+                <a:latin typeface="+mn-lt"/>
+                <a:ea typeface="+mn-ea"/>
+                <a:cs typeface="+mn-cs"/>
+              </a:rPr>
+              <a:t> </a:t>
+            </a:r>
+            <a:r>
+              <a:rPr lang="en-US" sz="1200" b="0" i="0" kern="1200" baseline="0" dirty="0" err="1" smtClean="0">
+                <a:solidFill>
+                  <a:schemeClr val="tx1"/>
+                </a:solidFill>
+                <a:effectLst/>
+                <a:latin typeface="+mn-lt"/>
+                <a:ea typeface="+mn-ea"/>
+                <a:cs typeface="+mn-cs"/>
+              </a:rPr>
+              <a:t>và</a:t>
+            </a:r>
+            <a:r>
+              <a:rPr lang="en-US" sz="1200" b="0" i="0" kern="1200" baseline="0" dirty="0" smtClean="0">
+                <a:solidFill>
+                  <a:schemeClr val="tx1"/>
+                </a:solidFill>
+                <a:effectLst/>
+                <a:latin typeface="+mn-lt"/>
+                <a:ea typeface="+mn-ea"/>
+                <a:cs typeface="+mn-cs"/>
+              </a:rPr>
+              <a:t> </a:t>
+            </a:r>
+            <a:r>
+              <a:rPr lang="en-US" sz="1200" b="0" i="0" kern="1200" baseline="0" dirty="0" err="1" smtClean="0">
+                <a:solidFill>
+                  <a:schemeClr val="tx1"/>
+                </a:solidFill>
+                <a:effectLst/>
+                <a:latin typeface="+mn-lt"/>
+                <a:ea typeface="+mn-ea"/>
+                <a:cs typeface="+mn-cs"/>
+              </a:rPr>
+              <a:t>quản</a:t>
+            </a:r>
+            <a:r>
+              <a:rPr lang="en-US" sz="1200" b="0" i="0" kern="1200" baseline="0" dirty="0" smtClean="0">
+                <a:solidFill>
+                  <a:schemeClr val="tx1"/>
+                </a:solidFill>
+                <a:effectLst/>
+                <a:latin typeface="+mn-lt"/>
+                <a:ea typeface="+mn-ea"/>
+                <a:cs typeface="+mn-cs"/>
+              </a:rPr>
+              <a:t> </a:t>
+            </a:r>
+            <a:r>
+              <a:rPr lang="en-US" sz="1200" b="0" i="0" kern="1200" baseline="0" dirty="0" err="1" smtClean="0">
+                <a:solidFill>
+                  <a:schemeClr val="tx1"/>
+                </a:solidFill>
+                <a:effectLst/>
+                <a:latin typeface="+mn-lt"/>
+                <a:ea typeface="+mn-ea"/>
+                <a:cs typeface="+mn-cs"/>
+              </a:rPr>
+              <a:t>lý</a:t>
+            </a:r>
+            <a:r>
+              <a:rPr lang="en-US" sz="1200" b="0" i="0" kern="1200" baseline="0" dirty="0" smtClean="0">
+                <a:solidFill>
+                  <a:schemeClr val="tx1"/>
+                </a:solidFill>
+                <a:effectLst/>
+                <a:latin typeface="+mn-lt"/>
+                <a:ea typeface="+mn-ea"/>
+                <a:cs typeface="+mn-cs"/>
+              </a:rPr>
+              <a:t> </a:t>
+            </a:r>
+            <a:r>
+              <a:rPr lang="en-US" sz="1200" b="0" i="0" kern="1200" baseline="0" dirty="0" err="1" smtClean="0">
+                <a:solidFill>
+                  <a:schemeClr val="tx1"/>
+                </a:solidFill>
+                <a:effectLst/>
+                <a:latin typeface="+mn-lt"/>
+                <a:ea typeface="+mn-ea"/>
+                <a:cs typeface="+mn-cs"/>
+              </a:rPr>
+              <a:t>hơn</a:t>
+            </a:r>
+            <a:r>
+              <a:rPr lang="en-US" sz="1200" b="0" i="0" kern="1200" baseline="0" dirty="0" smtClean="0">
+                <a:solidFill>
+                  <a:schemeClr val="tx1"/>
+                </a:solidFill>
+                <a:effectLst/>
+                <a:latin typeface="+mn-lt"/>
+                <a:ea typeface="+mn-ea"/>
+                <a:cs typeface="+mn-cs"/>
+              </a:rPr>
+              <a:t> so </a:t>
+            </a:r>
+            <a:r>
+              <a:rPr lang="en-US" sz="1200" b="0" i="0" kern="1200" baseline="0" dirty="0" err="1" smtClean="0">
+                <a:solidFill>
+                  <a:schemeClr val="tx1"/>
+                </a:solidFill>
+                <a:effectLst/>
+                <a:latin typeface="+mn-lt"/>
+                <a:ea typeface="+mn-ea"/>
+                <a:cs typeface="+mn-cs"/>
+              </a:rPr>
+              <a:t>với</a:t>
+            </a:r>
+            <a:r>
+              <a:rPr lang="en-US" sz="1200" b="0" i="0" kern="1200" baseline="0" dirty="0" smtClean="0">
+                <a:solidFill>
+                  <a:schemeClr val="tx1"/>
+                </a:solidFill>
+                <a:effectLst/>
+                <a:latin typeface="+mn-lt"/>
+                <a:ea typeface="+mn-ea"/>
+                <a:cs typeface="+mn-cs"/>
+              </a:rPr>
+              <a:t> Thread.</a:t>
             </a:r>
             <a:endParaRPr lang="en-US" sz="1200" b="0" i="0" kern="1200" dirty="0" smtClean="0">
               <a:solidFill>
@@ -1597,6 +2010,54 @@
               <a:defRPr/>
             </a:pPr>
             <a:r>
+              <a:rPr lang="en-US" sz="1200" b="0" i="0" kern="1200" dirty="0" smtClean="0">
+                <a:solidFill>
+                  <a:schemeClr val="tx1"/>
+                </a:solidFill>
+                <a:effectLst/>
+                <a:latin typeface="+mn-lt"/>
+                <a:ea typeface="+mn-ea"/>
+                <a:cs typeface="+mn-cs"/>
+              </a:rPr>
+              <a:t>Task</a:t>
+            </a:r>
+            <a:r>
+              <a:rPr lang="en-US" sz="1200" b="0" i="0" kern="1200" baseline="0" dirty="0" smtClean="0">
+                <a:solidFill>
+                  <a:schemeClr val="tx1"/>
+                </a:solidFill>
+                <a:effectLst/>
+                <a:latin typeface="+mn-lt"/>
+                <a:ea typeface="+mn-ea"/>
+                <a:cs typeface="+mn-cs"/>
+              </a:rPr>
+              <a:t> </a:t>
+            </a:r>
+            <a:r>
+              <a:rPr lang="en-US" sz="1200" b="0" i="0" kern="1200" baseline="0" dirty="0" err="1" smtClean="0">
+                <a:solidFill>
+                  <a:schemeClr val="tx1"/>
+                </a:solidFill>
+                <a:effectLst/>
+                <a:latin typeface="+mn-lt"/>
+                <a:ea typeface="+mn-ea"/>
+                <a:cs typeface="+mn-cs"/>
+              </a:rPr>
+              <a:t>trong</a:t>
+            </a:r>
+            <a:r>
+              <a:rPr lang="en-US" sz="1200" b="0" i="0" kern="1200" baseline="0" dirty="0" smtClean="0">
+                <a:solidFill>
+                  <a:schemeClr val="tx1"/>
+                </a:solidFill>
+                <a:effectLst/>
+                <a:latin typeface="+mn-lt"/>
+                <a:ea typeface="+mn-ea"/>
+                <a:cs typeface="+mn-cs"/>
+              </a:rPr>
+              <a:t> C# </a:t>
+            </a:r>
+            <a:r>
               <a:rPr lang="vi-VN" sz="1200" b="0" i="0" kern="1200" dirty="0" smtClean="0">
                 <a:solidFill>
                   <a:schemeClr val="tx1"/>
@@ -1606,7 +2067,31 @@
                 <a:ea typeface="+mn-ea"/>
                 <a:cs typeface="+mn-cs"/>
               </a:rPr>
-              <a:t>Một tác vụ trong C# được sử dụng để triển khai Lập trình không đồng bộ dựa trên tác vụ và được giới thiệu cùng với .NET Framework 4.</a:t>
+              <a:t>được </a:t>
+            </a:r>
+            <a:r>
+              <a:rPr lang="vi-VN" sz="1200" b="0" i="0" kern="1200" dirty="0" smtClean="0">
+                <a:solidFill>
+                  <a:schemeClr val="tx1"/>
+                </a:solidFill>
+                <a:effectLst/>
+                <a:latin typeface="+mn-lt"/>
+                <a:ea typeface="+mn-ea"/>
+                <a:cs typeface="+mn-cs"/>
+              </a:rPr>
+              <a:t>giới thiệu cùng với .NET Framework </a:t>
+            </a:r>
+            <a:r>
+              <a:rPr lang="vi-VN" sz="1200" b="0" i="0" kern="1200" dirty="0" smtClean="0">
+                <a:solidFill>
+                  <a:schemeClr val="tx1"/>
+                </a:solidFill>
+                <a:effectLst/>
+                <a:latin typeface="+mn-lt"/>
+                <a:ea typeface="+mn-ea"/>
+                <a:cs typeface="+mn-cs"/>
+              </a:rPr>
+              <a:t>4.</a:t>
             </a:r>
             <a:r>
               <a:rPr lang="en-US" sz="1200" b="0" i="0" kern="1200" dirty="0" smtClean="0">
@@ -1618,7 +2103,54 @@
                 <a:ea typeface="+mn-ea"/>
                 <a:cs typeface="+mn-cs"/>
               </a:rPr>
-              <a:t> </a:t>
+              <a:t/>
+            </a:r>
+            <a:br>
+              <a:rPr lang="en-US" sz="1200" b="0" i="0" kern="1200" dirty="0" smtClean="0">
+                <a:solidFill>
+                  <a:schemeClr val="tx1"/>
+                </a:solidFill>
+                <a:effectLst/>
+                <a:latin typeface="+mn-lt"/>
+                <a:ea typeface="+mn-ea"/>
+                <a:cs typeface="+mn-cs"/>
+              </a:rPr>
+            </a:br>
+            <a:r>
+              <a:rPr lang="en-US" sz="1200" b="0" i="0" kern="1200" dirty="0" err="1" smtClean="0">
+                <a:solidFill>
+                  <a:schemeClr val="tx1"/>
+                </a:solidFill>
+                <a:effectLst/>
+                <a:latin typeface="+mn-lt"/>
+                <a:ea typeface="+mn-ea"/>
+                <a:cs typeface="+mn-cs"/>
+              </a:rPr>
+              <a:t>Các</a:t>
+            </a:r>
+            <a:r>
+              <a:rPr lang="en-US" sz="1200" b="0" i="0" kern="1200" baseline="0" dirty="0" smtClean="0">
+                <a:solidFill>
+                  <a:schemeClr val="tx1"/>
+                </a:solidFill>
+                <a:effectLst/>
+                <a:latin typeface="+mn-lt"/>
+                <a:ea typeface="+mn-ea"/>
+                <a:cs typeface="+mn-cs"/>
+              </a:rPr>
+              <a:t> </a:t>
+            </a:r>
+            <a:r>
+              <a:rPr lang="en-US" sz="1200" b="0" i="0" kern="1200" dirty="0" smtClean="0">
+                <a:solidFill>
+                  <a:schemeClr val="tx1"/>
+                </a:solidFill>
+                <a:effectLst/>
+                <a:latin typeface="+mn-lt"/>
+                <a:ea typeface="+mn-ea"/>
+                <a:cs typeface="+mn-cs"/>
+              </a:rPr>
+              <a:t>Task </a:t>
             </a:r>
             <a:r>
               <a:rPr lang="vi-VN" sz="1200" b="0" i="0" kern="1200" dirty="0" smtClean="0">
@@ -1630,49 +2162,21 @@
                 <a:ea typeface="+mn-ea"/>
                 <a:cs typeface="+mn-cs"/>
               </a:rPr>
-              <a:t>Đối tượng Tác vụ thường được thực thi không đồng bộ trên một luồng nhóm luồng thay vì đồng bộ trên luồng chính của ứng dụng.</a:t>
+              <a:t>thường </a:t>
+            </a:r>
+            <a:r>
+              <a:rPr lang="vi-VN" sz="1200" b="0" i="0" kern="1200" dirty="0" smtClean="0">
+                <a:solidFill>
+                  <a:schemeClr val="tx1"/>
+                </a:solidFill>
+                <a:effectLst/>
+                <a:latin typeface="+mn-lt"/>
+                <a:ea typeface="+mn-ea"/>
+                <a:cs typeface="+mn-cs"/>
+              </a:rPr>
+              <a:t>được thực thi không đồng bộ trên một luồng nhóm luồng thay vì đồng bộ trên luồng chính của ứng dụng.</a:t>
             </a:r>
             <a:endParaRPr lang="en-US" sz="1200" b="0" i="0" kern="1200" baseline="0" dirty="0" smtClean="0">
-              <a:solidFill>
-                <a:schemeClr val="tx1"/>
-              </a:solidFill>
-              <a:effectLst/>
-              <a:latin typeface="+mn-lt"/>
-              <a:ea typeface="+mn-ea"/>
-              <a:cs typeface="+mn-cs"/>
-            </a:endParaRPr>
-          </a:p>
-          <a:p>
-            <a:pPr marL="171450" marR="0" indent="-171450" algn="l" defTabSz="914400" rtl="0" eaLnBrk="1" fontAlgn="auto" latinLnBrk="0" hangingPunct="1">
-              <a:lnSpc>
-                <a:spcPct val="100000"/>
-              </a:lnSpc>
-              <a:spcBef>
-                <a:spcPts val="0"/>
-              </a:spcBef>
-              <a:spcAft>
-                <a:spcPts val="0"/>
-              </a:spcAft>
-              <a:buClrTx/>
-              <a:buSzTx/>
-              <a:buFontTx/>
-              <a:buChar char="-"/>
-              <a:tabLst/>
-              <a:defRPr/>
-            </a:pPr>
-            <a:r>
-              <a:rPr lang="vi-VN" sz="1200" b="0" i="0" kern="1200" dirty="0" smtClean="0">
-                <a:solidFill>
-                  <a:schemeClr val="tx1"/>
-                </a:solidFill>
-                <a:effectLst/>
-                <a:latin typeface="+mn-lt"/>
-                <a:ea typeface="+mn-ea"/>
-                <a:cs typeface="+mn-cs"/>
-              </a:rPr>
-              <a:t>Người lập lịch tác vụ chịu trách nhiệm bắt đầu Tác vụ và cũng chịu trách nhiệm quản lý nó. Theo mặc định, bộ lập lịch Tác vụ sử dụng các luồng từ nhóm luồng để thực thi Tác vụ.</a:t>
-            </a:r>
-            <a:endParaRPr lang="en-US" sz="1200" b="0" i="0" kern="1200" dirty="0" smtClean="0">
               <a:solidFill>
                 <a:schemeClr val="tx1"/>
               </a:solidFill>
@@ -1710,7 +2214,19 @@
                 <a:ea typeface="+mn-ea"/>
                 <a:cs typeface="+mn-cs"/>
               </a:rPr>
-              <a:t>2.</a:t>
+              <a:t>2</a:t>
+            </a:r>
+            <a:r>
+              <a:rPr lang="en-US" sz="1200" b="0" i="0" kern="1200" dirty="0" smtClean="0">
+                <a:solidFill>
+                  <a:schemeClr val="tx1"/>
+                </a:solidFill>
+                <a:effectLst/>
+                <a:latin typeface="+mn-lt"/>
+                <a:ea typeface="+mn-ea"/>
+                <a:cs typeface="+mn-cs"/>
+              </a:rPr>
+              <a:t>.</a:t>
             </a:r>
           </a:p>
           <a:p>
@@ -1732,13 +2248,94 @@
               <a:defRPr/>
             </a:pPr>
             <a:r>
+              <a:rPr lang="en-US" dirty="0" smtClean="0"/>
+              <a:t>Task</a:t>
+            </a:r>
+            <a:r>
+              <a:rPr lang="en-US" baseline="0" dirty="0" smtClean="0"/>
+              <a:t> </a:t>
+            </a:r>
+            <a:r>
               <a:rPr lang="vi-VN" dirty="0" smtClean="0"/>
-              <a:t>Tác vụ sử dụng nhóm Chủ đề để thực thi công việc của chúng, điều đó có nghĩa là Nhiệm vụ được thực thi trên một trong các Chủ đề trong nhóm Chủ đề</a:t>
+              <a:t>sử </a:t>
+            </a:r>
+            <a:r>
+              <a:rPr lang="vi-VN" dirty="0" smtClean="0"/>
+              <a:t>dụng </a:t>
             </a:r>
             <a:r>
               <a:rPr lang="en-US" dirty="0" smtClean="0"/>
-              <a:t>.</a:t>
-            </a:r>
+              <a:t>Thread</a:t>
+            </a:r>
+            <a:r>
+              <a:rPr lang="en-US" baseline="0" dirty="0" smtClean="0"/>
+              <a:t> poo; </a:t>
+            </a:r>
+            <a:r>
+              <a:rPr lang="vi-VN" dirty="0" smtClean="0"/>
+              <a:t>để </a:t>
+            </a:r>
+            <a:r>
+              <a:rPr lang="vi-VN" dirty="0" smtClean="0"/>
+              <a:t>thực thi công việc của </a:t>
+            </a:r>
+            <a:r>
+              <a:rPr lang="en-US" dirty="0" err="1" smtClean="0"/>
+              <a:t>nó</a:t>
+            </a:r>
+            <a:r>
+              <a:rPr lang="en-US" dirty="0" smtClean="0"/>
+              <a:t>,</a:t>
+            </a:r>
+            <a:r>
+              <a:rPr lang="en-US" baseline="0" dirty="0" smtClean="0"/>
+              <a:t> </a:t>
+            </a:r>
+            <a:r>
+              <a:rPr lang="vi-VN" dirty="0" smtClean="0"/>
+              <a:t>nghĩa là</a:t>
+            </a:r>
+            <a:r>
+              <a:rPr lang="en-US" dirty="0" smtClean="0"/>
+              <a:t> </a:t>
+            </a:r>
+            <a:r>
+              <a:rPr lang="en-US" dirty="0" err="1" smtClean="0"/>
+              <a:t>các</a:t>
+            </a:r>
+            <a:r>
+              <a:rPr lang="vi-VN" dirty="0" smtClean="0"/>
+              <a:t> </a:t>
+            </a:r>
+            <a:r>
+              <a:rPr lang="en-US" dirty="0" smtClean="0"/>
+              <a:t>Task</a:t>
+            </a:r>
+            <a:r>
+              <a:rPr lang="vi-VN" dirty="0" smtClean="0"/>
+              <a:t> </a:t>
+            </a:r>
+            <a:r>
+              <a:rPr lang="vi-VN" dirty="0" smtClean="0"/>
+              <a:t>được thực thi trên một trong các </a:t>
+            </a:r>
+            <a:r>
+              <a:rPr lang="en-US" dirty="0" smtClean="0"/>
+              <a:t>Thread</a:t>
+            </a:r>
+            <a:r>
+              <a:rPr lang="vi-VN" dirty="0" smtClean="0"/>
+              <a:t> </a:t>
+            </a:r>
+            <a:r>
+              <a:rPr lang="vi-VN" dirty="0" smtClean="0"/>
+              <a:t>trong </a:t>
+            </a:r>
+            <a:r>
+              <a:rPr lang="en-US" dirty="0" smtClean="0"/>
+              <a:t>Thread pool.</a:t>
+            </a:r>
+            <a:endParaRPr lang="en-US" dirty="0" smtClean="0"/>
           </a:p>
           <a:p>
             <a:pPr marL="171450" marR="0" indent="-171450" algn="l" defTabSz="914400" rtl="0" eaLnBrk="1" fontAlgn="auto" latinLnBrk="0" hangingPunct="1">
@@ -1759,6 +2356,26 @@
               <a:defRPr/>
             </a:pPr>
             <a:r>
+              <a:rPr lang="en-US" dirty="0" smtClean="0"/>
+              <a:t>Ở </a:t>
+            </a:r>
+            <a:r>
+              <a:rPr lang="en-US" dirty="0" err="1" smtClean="0"/>
+              <a:t>đây</a:t>
+            </a:r>
+            <a:r>
+              <a:rPr lang="en-US" dirty="0" smtClean="0"/>
+              <a:t>,</a:t>
+            </a:r>
+            <a:r>
+              <a:rPr lang="en-US" baseline="0" dirty="0" smtClean="0"/>
+              <a:t> </a:t>
+            </a:r>
+            <a:r>
+              <a:rPr lang="en-US" dirty="0" smtClean="0"/>
+              <a:t>Thread pool </a:t>
+            </a:r>
+            <a:r>
               <a:rPr lang="vi-VN" sz="1200" b="0" i="0" kern="1200" dirty="0" smtClean="0">
                 <a:solidFill>
                   <a:schemeClr val="tx1"/>
@@ -1768,7 +2385,7 @@
                 <a:ea typeface="+mn-ea"/>
                 <a:cs typeface="+mn-cs"/>
               </a:rPr>
-              <a:t>Nhóm luồng trong C# là nhóm luồng được quản lý được tạo và quản lý bởi thời gian chạy .NET để thực thi các tác vụ không đồng bộ và khối lượng công việc song song một cách hiệu quả</a:t>
+              <a:t>là nhóm</a:t>
             </a:r>
             <a:r>
               <a:rPr lang="en-US" sz="1200" b="0" i="0" kern="1200" dirty="0" smtClean="0">
@@ -1780,9 +2397,529 @@
                 <a:ea typeface="+mn-ea"/>
                 <a:cs typeface="+mn-cs"/>
               </a:rPr>
+              <a:t> </a:t>
+            </a:r>
+            <a:r>
+              <a:rPr lang="en-US" sz="1200" b="0" i="0" kern="1200" dirty="0" err="1" smtClean="0">
+                <a:solidFill>
+                  <a:schemeClr val="tx1"/>
+                </a:solidFill>
+                <a:effectLst/>
+                <a:latin typeface="+mn-lt"/>
+                <a:ea typeface="+mn-ea"/>
+                <a:cs typeface="+mn-cs"/>
+              </a:rPr>
+              <a:t>các</a:t>
+            </a:r>
+            <a:r>
+              <a:rPr lang="vi-VN" sz="1200" b="0" i="0" kern="1200" dirty="0" smtClean="0">
+                <a:solidFill>
+                  <a:schemeClr val="tx1"/>
+                </a:solidFill>
+                <a:effectLst/>
+                <a:latin typeface="+mn-lt"/>
+                <a:ea typeface="+mn-ea"/>
+                <a:cs typeface="+mn-cs"/>
+              </a:rPr>
+              <a:t> luồng </a:t>
+            </a:r>
+            <a:r>
+              <a:rPr lang="vi-VN" sz="1200" b="0" i="0" kern="1200" dirty="0" smtClean="0">
+                <a:solidFill>
+                  <a:schemeClr val="tx1"/>
+                </a:solidFill>
+                <a:effectLst/>
+                <a:latin typeface="+mn-lt"/>
+                <a:ea typeface="+mn-ea"/>
+                <a:cs typeface="+mn-cs"/>
+              </a:rPr>
+              <a:t>được </a:t>
+            </a:r>
+            <a:r>
+              <a:rPr lang="vi-VN" sz="1200" b="0" i="0" kern="1200" dirty="0" smtClean="0">
+                <a:solidFill>
+                  <a:schemeClr val="tx1"/>
+                </a:solidFill>
+                <a:effectLst/>
+                <a:latin typeface="+mn-lt"/>
+                <a:ea typeface="+mn-ea"/>
+                <a:cs typeface="+mn-cs"/>
+              </a:rPr>
+              <a:t>tạo</a:t>
+            </a:r>
+            <a:r>
+              <a:rPr lang="en-US" sz="1200" b="0" i="0" kern="1200" dirty="0" smtClean="0">
+                <a:solidFill>
+                  <a:schemeClr val="tx1"/>
+                </a:solidFill>
+                <a:effectLst/>
+                <a:latin typeface="+mn-lt"/>
+                <a:ea typeface="+mn-ea"/>
+                <a:cs typeface="+mn-cs"/>
+              </a:rPr>
+              <a:t> </a:t>
+            </a:r>
+            <a:r>
+              <a:rPr lang="en-US" sz="1200" b="0" i="0" kern="1200" dirty="0" err="1" smtClean="0">
+                <a:solidFill>
+                  <a:schemeClr val="tx1"/>
+                </a:solidFill>
+                <a:effectLst/>
+                <a:latin typeface="+mn-lt"/>
+                <a:ea typeface="+mn-ea"/>
+                <a:cs typeface="+mn-cs"/>
+              </a:rPr>
+              <a:t>ra</a:t>
+            </a:r>
+            <a:r>
+              <a:rPr lang="vi-VN" sz="1200" b="0" i="0" kern="1200" dirty="0" smtClean="0">
+                <a:solidFill>
+                  <a:schemeClr val="tx1"/>
+                </a:solidFill>
+                <a:effectLst/>
+                <a:latin typeface="+mn-lt"/>
+                <a:ea typeface="+mn-ea"/>
+                <a:cs typeface="+mn-cs"/>
+              </a:rPr>
+              <a:t> </a:t>
+            </a:r>
+            <a:r>
+              <a:rPr lang="vi-VN" sz="1200" b="0" i="0" kern="1200" dirty="0" smtClean="0">
+                <a:solidFill>
+                  <a:schemeClr val="tx1"/>
+                </a:solidFill>
+                <a:effectLst/>
+                <a:latin typeface="+mn-lt"/>
+                <a:ea typeface="+mn-ea"/>
+                <a:cs typeface="+mn-cs"/>
+              </a:rPr>
+              <a:t>và quản lý </a:t>
+            </a:r>
+            <a:r>
+              <a:rPr lang="vi-VN" sz="1200" b="0" i="0" kern="1200" dirty="0" smtClean="0">
+                <a:solidFill>
+                  <a:schemeClr val="tx1"/>
+                </a:solidFill>
+                <a:effectLst/>
+                <a:latin typeface="+mn-lt"/>
+                <a:ea typeface="+mn-ea"/>
+                <a:cs typeface="+mn-cs"/>
+              </a:rPr>
+              <a:t>bởi</a:t>
+            </a:r>
+            <a:r>
+              <a:rPr lang="en-US" sz="1200" b="0" i="0" kern="1200" baseline="0" dirty="0" smtClean="0">
+                <a:solidFill>
+                  <a:schemeClr val="tx1"/>
+                </a:solidFill>
+                <a:effectLst/>
+                <a:latin typeface="+mn-lt"/>
+                <a:ea typeface="+mn-ea"/>
+                <a:cs typeface="+mn-cs"/>
+              </a:rPr>
+              <a:t> </a:t>
+            </a:r>
+            <a:r>
+              <a:rPr lang="vi-VN" sz="1200" b="0" i="0" kern="1200" dirty="0" smtClean="0">
+                <a:solidFill>
+                  <a:schemeClr val="tx1"/>
+                </a:solidFill>
+                <a:effectLst/>
+                <a:latin typeface="+mn-lt"/>
+                <a:ea typeface="+mn-ea"/>
+                <a:cs typeface="+mn-cs"/>
+              </a:rPr>
+              <a:t>.NET </a:t>
+            </a:r>
+            <a:r>
+              <a:rPr lang="en-US" sz="1200" b="0" i="0" kern="1200" dirty="0" smtClean="0">
+                <a:solidFill>
+                  <a:schemeClr val="tx1"/>
+                </a:solidFill>
+                <a:effectLst/>
+                <a:latin typeface="+mn-lt"/>
+                <a:ea typeface="+mn-ea"/>
+                <a:cs typeface="+mn-cs"/>
+              </a:rPr>
+              <a:t>runtime </a:t>
+            </a:r>
+            <a:r>
+              <a:rPr lang="vi-VN" sz="1200" b="0" i="0" kern="1200" dirty="0" smtClean="0">
+                <a:solidFill>
+                  <a:schemeClr val="tx1"/>
+                </a:solidFill>
+                <a:effectLst/>
+                <a:latin typeface="+mn-lt"/>
+                <a:ea typeface="+mn-ea"/>
+                <a:cs typeface="+mn-cs"/>
+              </a:rPr>
+              <a:t>để </a:t>
+            </a:r>
+            <a:r>
+              <a:rPr lang="vi-VN" sz="1200" b="0" i="0" kern="1200" dirty="0" smtClean="0">
+                <a:solidFill>
+                  <a:schemeClr val="tx1"/>
+                </a:solidFill>
+                <a:effectLst/>
+                <a:latin typeface="+mn-lt"/>
+                <a:ea typeface="+mn-ea"/>
+                <a:cs typeface="+mn-cs"/>
+              </a:rPr>
+              <a:t>thực thi các tác vụ không đồng bộ và </a:t>
+            </a:r>
+            <a:r>
+              <a:rPr lang="vi-VN" sz="1200" b="0" i="0" kern="1200" dirty="0" smtClean="0">
+                <a:solidFill>
+                  <a:schemeClr val="tx1"/>
+                </a:solidFill>
+                <a:effectLst/>
+                <a:latin typeface="+mn-lt"/>
+                <a:ea typeface="+mn-ea"/>
+                <a:cs typeface="+mn-cs"/>
+              </a:rPr>
+              <a:t>công </a:t>
+            </a:r>
+            <a:r>
+              <a:rPr lang="vi-VN" sz="1200" b="0" i="0" kern="1200" dirty="0" smtClean="0">
+                <a:solidFill>
+                  <a:schemeClr val="tx1"/>
+                </a:solidFill>
+                <a:effectLst/>
+                <a:latin typeface="+mn-lt"/>
+                <a:ea typeface="+mn-ea"/>
+                <a:cs typeface="+mn-cs"/>
+              </a:rPr>
+              <a:t>việc song song một cách hiệu quả</a:t>
+            </a:r>
+            <a:r>
+              <a:rPr lang="en-US" sz="1200" b="0" i="0" kern="1200" dirty="0" smtClean="0">
+                <a:solidFill>
+                  <a:schemeClr val="tx1"/>
+                </a:solidFill>
+                <a:effectLst/>
+                <a:latin typeface="+mn-lt"/>
+                <a:ea typeface="+mn-ea"/>
+                <a:cs typeface="+mn-cs"/>
+              </a:rPr>
               <a:t>. </a:t>
             </a:r>
             <a:r>
+              <a:rPr lang="en-US" sz="1200" b="0" i="0" kern="1200" dirty="0" smtClean="0">
+                <a:solidFill>
+                  <a:schemeClr val="tx1"/>
+                </a:solidFill>
+                <a:effectLst/>
+                <a:latin typeface="+mn-lt"/>
+                <a:ea typeface="+mn-ea"/>
+                <a:cs typeface="+mn-cs"/>
+              </a:rPr>
+              <a:t> </a:t>
+            </a:r>
+            <a:r>
+              <a:rPr lang="en-US" sz="1200" b="0" i="0" kern="1200" dirty="0" err="1" smtClean="0">
+                <a:solidFill>
+                  <a:schemeClr val="tx1"/>
+                </a:solidFill>
+                <a:effectLst/>
+                <a:latin typeface="+mn-lt"/>
+                <a:ea typeface="+mn-ea"/>
+                <a:cs typeface="+mn-cs"/>
+              </a:rPr>
+              <a:t>Nó</a:t>
+            </a:r>
+            <a:r>
+              <a:rPr lang="en-US" sz="1200" b="0" i="0" kern="1200" baseline="0" dirty="0" smtClean="0">
+                <a:solidFill>
+                  <a:schemeClr val="tx1"/>
+                </a:solidFill>
+                <a:effectLst/>
+                <a:latin typeface="+mn-lt"/>
+                <a:ea typeface="+mn-ea"/>
+                <a:cs typeface="+mn-cs"/>
+              </a:rPr>
+              <a:t> </a:t>
+            </a:r>
+            <a:r>
+              <a:rPr lang="en-US" sz="1200" b="0" i="0" kern="1200" baseline="0" dirty="0" err="1" smtClean="0">
+                <a:solidFill>
+                  <a:schemeClr val="tx1"/>
+                </a:solidFill>
+                <a:effectLst/>
+                <a:latin typeface="+mn-lt"/>
+                <a:ea typeface="+mn-ea"/>
+                <a:cs typeface="+mn-cs"/>
+              </a:rPr>
+              <a:t>giống</a:t>
+            </a:r>
+            <a:r>
+              <a:rPr lang="en-US" sz="1200" b="0" i="0" kern="1200" baseline="0" dirty="0" smtClean="0">
+                <a:solidFill>
+                  <a:schemeClr val="tx1"/>
+                </a:solidFill>
+                <a:effectLst/>
+                <a:latin typeface="+mn-lt"/>
+                <a:ea typeface="+mn-ea"/>
+                <a:cs typeface="+mn-cs"/>
+              </a:rPr>
+              <a:t> </a:t>
+            </a:r>
+            <a:r>
+              <a:rPr lang="en-US" sz="1200" b="0" i="0" kern="1200" baseline="0" dirty="0" err="1" smtClean="0">
+                <a:solidFill>
+                  <a:schemeClr val="tx1"/>
+                </a:solidFill>
+                <a:effectLst/>
+                <a:latin typeface="+mn-lt"/>
+                <a:ea typeface="+mn-ea"/>
+                <a:cs typeface="+mn-cs"/>
+              </a:rPr>
+              <a:t>như</a:t>
+            </a:r>
+            <a:r>
+              <a:rPr lang="en-US" sz="1200" b="0" i="0" kern="1200" baseline="0" dirty="0" smtClean="0">
+                <a:solidFill>
+                  <a:schemeClr val="tx1"/>
+                </a:solidFill>
+                <a:effectLst/>
+                <a:latin typeface="+mn-lt"/>
+                <a:ea typeface="+mn-ea"/>
+                <a:cs typeface="+mn-cs"/>
+              </a:rPr>
+              <a:t> </a:t>
+            </a:r>
+            <a:r>
+              <a:rPr lang="en-US" sz="1200" b="0" i="0" kern="1200" baseline="0" dirty="0" err="1" smtClean="0">
+                <a:solidFill>
+                  <a:schemeClr val="tx1"/>
+                </a:solidFill>
+                <a:effectLst/>
+                <a:latin typeface="+mn-lt"/>
+                <a:ea typeface="+mn-ea"/>
+                <a:cs typeface="+mn-cs"/>
+              </a:rPr>
+              <a:t>một</a:t>
+            </a:r>
+            <a:r>
+              <a:rPr lang="en-US" sz="1200" b="0" i="0" kern="1200" baseline="0" dirty="0" smtClean="0">
+                <a:solidFill>
+                  <a:schemeClr val="tx1"/>
+                </a:solidFill>
+                <a:effectLst/>
+                <a:latin typeface="+mn-lt"/>
+                <a:ea typeface="+mn-ea"/>
+                <a:cs typeface="+mn-cs"/>
+              </a:rPr>
+              <a:t> </a:t>
+            </a:r>
+            <a:r>
+              <a:rPr lang="en-US" sz="1200" b="0" i="0" kern="1200" baseline="0" dirty="0" err="1" smtClean="0">
+                <a:solidFill>
+                  <a:schemeClr val="tx1"/>
+                </a:solidFill>
+                <a:effectLst/>
+                <a:latin typeface="+mn-lt"/>
+                <a:ea typeface="+mn-ea"/>
+                <a:cs typeface="+mn-cs"/>
+              </a:rPr>
+              <a:t>cái</a:t>
+            </a:r>
+            <a:r>
+              <a:rPr lang="en-US" sz="1200" b="0" i="0" kern="1200" baseline="0" dirty="0" smtClean="0">
+                <a:solidFill>
+                  <a:schemeClr val="tx1"/>
+                </a:solidFill>
+                <a:effectLst/>
+                <a:latin typeface="+mn-lt"/>
+                <a:ea typeface="+mn-ea"/>
+                <a:cs typeface="+mn-cs"/>
+              </a:rPr>
+              <a:t> </a:t>
+            </a:r>
+            <a:r>
+              <a:rPr lang="en-US" sz="1200" b="0" i="0" kern="1200" baseline="0" dirty="0" err="1" smtClean="0">
+                <a:solidFill>
+                  <a:schemeClr val="tx1"/>
+                </a:solidFill>
+                <a:effectLst/>
+                <a:latin typeface="+mn-lt"/>
+                <a:ea typeface="+mn-ea"/>
+                <a:cs typeface="+mn-cs"/>
+              </a:rPr>
+              <a:t>hồ</a:t>
+            </a:r>
+            <a:r>
+              <a:rPr lang="en-US" sz="1200" b="0" i="0" kern="1200" baseline="0" dirty="0" smtClean="0">
+                <a:solidFill>
+                  <a:schemeClr val="tx1"/>
+                </a:solidFill>
+                <a:effectLst/>
+                <a:latin typeface="+mn-lt"/>
+                <a:ea typeface="+mn-ea"/>
+                <a:cs typeface="+mn-cs"/>
+              </a:rPr>
+              <a:t> </a:t>
+            </a:r>
+            <a:r>
+              <a:rPr lang="en-US" sz="1200" b="0" i="0" kern="1200" baseline="0" dirty="0" err="1" smtClean="0">
+                <a:solidFill>
+                  <a:schemeClr val="tx1"/>
+                </a:solidFill>
+                <a:effectLst/>
+                <a:latin typeface="+mn-lt"/>
+                <a:ea typeface="+mn-ea"/>
+                <a:cs typeface="+mn-cs"/>
+              </a:rPr>
+              <a:t>chứa</a:t>
+            </a:r>
+            <a:r>
+              <a:rPr lang="en-US" sz="1200" b="0" i="0" kern="1200" baseline="0" dirty="0" smtClean="0">
+                <a:solidFill>
+                  <a:schemeClr val="tx1"/>
+                </a:solidFill>
+                <a:effectLst/>
+                <a:latin typeface="+mn-lt"/>
+                <a:ea typeface="+mn-ea"/>
+                <a:cs typeface="+mn-cs"/>
+              </a:rPr>
+              <a:t> </a:t>
+            </a:r>
+            <a:r>
+              <a:rPr lang="en-US" sz="1200" b="0" i="0" kern="1200" baseline="0" dirty="0" err="1" smtClean="0">
+                <a:solidFill>
+                  <a:schemeClr val="tx1"/>
+                </a:solidFill>
+                <a:effectLst/>
+                <a:latin typeface="+mn-lt"/>
+                <a:ea typeface="+mn-ea"/>
+                <a:cs typeface="+mn-cs"/>
+              </a:rPr>
+              <a:t>và</a:t>
+            </a:r>
+            <a:r>
+              <a:rPr lang="en-US" sz="1200" b="0" i="0" kern="1200" baseline="0" dirty="0" smtClean="0">
+                <a:solidFill>
+                  <a:schemeClr val="tx1"/>
+                </a:solidFill>
+                <a:effectLst/>
+                <a:latin typeface="+mn-lt"/>
+                <a:ea typeface="+mn-ea"/>
+                <a:cs typeface="+mn-cs"/>
+              </a:rPr>
+              <a:t> </a:t>
+            </a:r>
+            <a:r>
+              <a:rPr lang="en-US" sz="1200" b="0" i="0" kern="1200" baseline="0" dirty="0" err="1" smtClean="0">
+                <a:solidFill>
+                  <a:schemeClr val="tx1"/>
+                </a:solidFill>
+                <a:effectLst/>
+                <a:latin typeface="+mn-lt"/>
+                <a:ea typeface="+mn-ea"/>
+                <a:cs typeface="+mn-cs"/>
+              </a:rPr>
+              <a:t>quản</a:t>
+            </a:r>
+            <a:r>
+              <a:rPr lang="en-US" sz="1200" b="0" i="0" kern="1200" baseline="0" dirty="0" smtClean="0">
+                <a:solidFill>
+                  <a:schemeClr val="tx1"/>
+                </a:solidFill>
+                <a:effectLst/>
+                <a:latin typeface="+mn-lt"/>
+                <a:ea typeface="+mn-ea"/>
+                <a:cs typeface="+mn-cs"/>
+              </a:rPr>
+              <a:t> </a:t>
+            </a:r>
+            <a:r>
+              <a:rPr lang="en-US" sz="1200" b="0" i="0" kern="1200" baseline="0" dirty="0" err="1" smtClean="0">
+                <a:solidFill>
+                  <a:schemeClr val="tx1"/>
+                </a:solidFill>
+                <a:effectLst/>
+                <a:latin typeface="+mn-lt"/>
+                <a:ea typeface="+mn-ea"/>
+                <a:cs typeface="+mn-cs"/>
+              </a:rPr>
+              <a:t>lí</a:t>
+            </a:r>
+            <a:r>
+              <a:rPr lang="en-US" sz="1200" b="0" i="0" kern="1200" baseline="0" dirty="0" smtClean="0">
+                <a:solidFill>
+                  <a:schemeClr val="tx1"/>
+                </a:solidFill>
+                <a:effectLst/>
+                <a:latin typeface="+mn-lt"/>
+                <a:ea typeface="+mn-ea"/>
+                <a:cs typeface="+mn-cs"/>
+              </a:rPr>
+              <a:t> </a:t>
+            </a:r>
+            <a:r>
+              <a:rPr lang="en-US" sz="1200" b="0" i="0" kern="1200" baseline="0" dirty="0" err="1" smtClean="0">
+                <a:solidFill>
+                  <a:schemeClr val="tx1"/>
+                </a:solidFill>
+                <a:effectLst/>
+                <a:latin typeface="+mn-lt"/>
+                <a:ea typeface="+mn-ea"/>
+                <a:cs typeface="+mn-cs"/>
+              </a:rPr>
+              <a:t>các</a:t>
+            </a:r>
+            <a:r>
+              <a:rPr lang="en-US" sz="1200" b="0" i="0" kern="1200" baseline="0" dirty="0" smtClean="0">
+                <a:solidFill>
+                  <a:schemeClr val="tx1"/>
+                </a:solidFill>
+                <a:effectLst/>
+                <a:latin typeface="+mn-lt"/>
+                <a:ea typeface="+mn-ea"/>
+                <a:cs typeface="+mn-cs"/>
+              </a:rPr>
+              <a:t> Thread.</a:t>
+            </a:r>
+            <a:endParaRPr lang="en-US" sz="1200" b="0" i="0" kern="1200" dirty="0" smtClean="0">
+              <a:solidFill>
+                <a:schemeClr val="tx1"/>
+              </a:solidFill>
+              <a:effectLst/>
+              <a:latin typeface="+mn-lt"/>
+              <a:ea typeface="+mn-ea"/>
+              <a:cs typeface="+mn-cs"/>
+            </a:endParaRPr>
+          </a:p>
+          <a:p>
+            <a:pPr marL="0" marR="0" indent="0" algn="l" defTabSz="914400" rtl="0" eaLnBrk="1" fontAlgn="auto" latinLnBrk="0" hangingPunct="1">
+              <a:lnSpc>
+                <a:spcPct val="100000"/>
+              </a:lnSpc>
+              <a:spcBef>
+                <a:spcPts val="0"/>
+              </a:spcBef>
+              <a:spcAft>
+                <a:spcPts val="0"/>
+              </a:spcAft>
+              <a:buClrTx/>
+              <a:buSzTx/>
+              <a:buFont typeface="Arial" panose="020B0604020202020204" pitchFamily="34" charset="0"/>
+              <a:buNone/>
+              <a:tabLst/>
+              <a:defRPr/>
+            </a:pPr>
+            <a:r>
+              <a:rPr lang="en-US" sz="1200" b="0" i="0" kern="1200" baseline="0" dirty="0" smtClean="0">
+                <a:solidFill>
+                  <a:schemeClr val="tx1"/>
+                </a:solidFill>
+                <a:effectLst/>
+                <a:latin typeface="+mn-lt"/>
+                <a:ea typeface="+mn-ea"/>
+                <a:cs typeface="+mn-cs"/>
+              </a:rPr>
+              <a:t>     </a:t>
+            </a:r>
+            <a:r>
               <a:rPr lang="vi-VN" sz="1200" b="0" i="0" kern="1200" dirty="0" smtClean="0">
                 <a:solidFill>
                   <a:schemeClr val="tx1"/>
@@ -1792,7 +2929,19 @@
                 <a:ea typeface="+mn-ea"/>
                 <a:cs typeface="+mn-cs"/>
               </a:rPr>
-              <a:t>Nhóm luồng có thể quản lý các luồng hiệu quả hơn việc tạo và hủy các luồng cho từng đơn vị công việc</a:t>
+              <a:t>Nhóm </a:t>
+            </a:r>
+            <a:r>
+              <a:rPr lang="vi-VN" sz="1200" b="0" i="0" kern="1200" dirty="0" smtClean="0">
+                <a:solidFill>
+                  <a:schemeClr val="tx1"/>
+                </a:solidFill>
+                <a:effectLst/>
+                <a:latin typeface="+mn-lt"/>
+                <a:ea typeface="+mn-ea"/>
+                <a:cs typeface="+mn-cs"/>
+              </a:rPr>
+              <a:t>luồng có thể quản lý các luồng hiệu quả hơn việc tạo và hủy các luồng cho từng đơn vị công việc</a:t>
             </a:r>
             <a:endParaRPr lang="en-US" dirty="0" smtClean="0"/>
           </a:p>
@@ -1816,7 +2965,83 @@
             </a:pPr>
             <a:r>
               <a:rPr lang="vi-VN" dirty="0" smtClean="0"/>
-              <a:t>Khi một Tác vụ được tạo, nó sẽ được thêm vào hàng đợi của Nhóm luồng và một trong các Chủ đề trong nhóm được sử dụng để thực thi Tác vụ. Sau khi Nhiệm vụ hoàn thành, Chủ đề sẽ quay trở lại nhóm, sẵn sàng để sử dụng cho Nhiệm vụ khác.</a:t>
+              <a:t>Khi một </a:t>
+            </a:r>
+            <a:r>
+              <a:rPr lang="en-US" dirty="0" smtClean="0"/>
+              <a:t>Task</a:t>
+            </a:r>
+            <a:r>
+              <a:rPr lang="en-US" baseline="0" dirty="0" smtClean="0"/>
+              <a:t> </a:t>
+            </a:r>
+            <a:r>
+              <a:rPr lang="vi-VN" dirty="0" smtClean="0"/>
+              <a:t>được </a:t>
+            </a:r>
+            <a:r>
+              <a:rPr lang="vi-VN" dirty="0" smtClean="0"/>
+              <a:t>tạo, nó sẽ được thêm vào hàng đợi của </a:t>
+            </a:r>
+            <a:r>
+              <a:rPr lang="en-US" dirty="0" smtClean="0"/>
+              <a:t>Thread pool </a:t>
+            </a:r>
+            <a:r>
+              <a:rPr lang="vi-VN" dirty="0" smtClean="0"/>
+              <a:t>và </a:t>
+            </a:r>
+            <a:r>
+              <a:rPr lang="vi-VN" dirty="0" smtClean="0"/>
+              <a:t>một trong các </a:t>
+            </a:r>
+            <a:r>
+              <a:rPr lang="en-US" dirty="0" smtClean="0"/>
+              <a:t>Thread </a:t>
+            </a:r>
+            <a:r>
+              <a:rPr lang="vi-VN" dirty="0" smtClean="0"/>
+              <a:t>trong </a:t>
+            </a:r>
+            <a:r>
+              <a:rPr lang="vi-VN" dirty="0" smtClean="0"/>
+              <a:t>nhóm được sử dụng để thực thi </a:t>
+            </a:r>
+            <a:r>
+              <a:rPr lang="en-US" dirty="0" err="1" smtClean="0"/>
+              <a:t>nó</a:t>
+            </a:r>
+            <a:r>
+              <a:rPr lang="vi-VN" dirty="0" smtClean="0"/>
+              <a:t>. </a:t>
+            </a:r>
+            <a:r>
+              <a:rPr lang="vi-VN" dirty="0" smtClean="0"/>
+              <a:t>Sau khi Nhiệm vụ hoàn thành, </a:t>
+            </a:r>
+            <a:r>
+              <a:rPr lang="en-US" dirty="0" smtClean="0"/>
+              <a:t>Thread </a:t>
+            </a:r>
+            <a:r>
+              <a:rPr lang="vi-VN" dirty="0" smtClean="0"/>
+              <a:t>sẽ </a:t>
+            </a:r>
+            <a:r>
+              <a:rPr lang="vi-VN" dirty="0" smtClean="0"/>
+              <a:t>quay trở lại </a:t>
+            </a:r>
+            <a:r>
+              <a:rPr lang="en-US" dirty="0" smtClean="0"/>
+              <a:t>pool</a:t>
+            </a:r>
+            <a:r>
+              <a:rPr lang="vi-VN" dirty="0" smtClean="0"/>
+              <a:t>, </a:t>
+            </a:r>
+            <a:r>
+              <a:rPr lang="vi-VN" dirty="0" smtClean="0"/>
+              <a:t>sẵn sàng để sử dụng cho Nhiệm vụ khác.</a:t>
             </a:r>
             <a:endParaRPr lang="en-US" sz="1200" b="0" i="0" kern="1200" dirty="0" smtClean="0">
               <a:solidFill>
@@ -2395,7 +3620,7 @@
           <a:p>
             <a:fld id="{D9F4958E-1F14-4B78-8714-8F2F4BB78383}" type="datetimeFigureOut">
               <a:rPr lang="en-US" smtClean="0"/>
-              <a:t>6/3/2024</a:t>
+              <a:t>6/5/2024</a:t>
             </a:fld>
             <a:endParaRPr lang="en-US"/>
           </a:p>
@@ -2565,7 +3790,7 @@
           <a:p>
             <a:fld id="{D9F4958E-1F14-4B78-8714-8F2F4BB78383}" type="datetimeFigureOut">
               <a:rPr lang="en-US" smtClean="0"/>
-              <a:t>6/3/2024</a:t>
+              <a:t>6/5/2024</a:t>
             </a:fld>
             <a:endParaRPr lang="en-US"/>
           </a:p>
@@ -2745,7 +3970,7 @@
           <a:p>
             <a:fld id="{D9F4958E-1F14-4B78-8714-8F2F4BB78383}" type="datetimeFigureOut">
               <a:rPr lang="en-US" smtClean="0"/>
-              <a:t>6/3/2024</a:t>
+              <a:t>6/5/2024</a:t>
             </a:fld>
             <a:endParaRPr lang="en-US"/>
           </a:p>
@@ -2915,7 +4140,7 @@
           <a:p>
             <a:fld id="{D9F4958E-1F14-4B78-8714-8F2F4BB78383}" type="datetimeFigureOut">
               <a:rPr lang="en-US" smtClean="0"/>
-              <a:t>6/3/2024</a:t>
+              <a:t>6/5/2024</a:t>
             </a:fld>
             <a:endParaRPr lang="en-US"/>
           </a:p>
@@ -3161,7 +4386,7 @@
           <a:p>
             <a:fld id="{D9F4958E-1F14-4B78-8714-8F2F4BB78383}" type="datetimeFigureOut">
               <a:rPr lang="en-US" smtClean="0"/>
-              <a:t>6/3/2024</a:t>
+              <a:t>6/5/2024</a:t>
             </a:fld>
             <a:endParaRPr lang="en-US"/>
           </a:p>
@@ -3393,7 +4618,7 @@
           <a:p>
             <a:fld id="{D9F4958E-1F14-4B78-8714-8F2F4BB78383}" type="datetimeFigureOut">
               <a:rPr lang="en-US" smtClean="0"/>
-              <a:t>6/3/2024</a:t>
+              <a:t>6/5/2024</a:t>
             </a:fld>
             <a:endParaRPr lang="en-US"/>
           </a:p>
@@ -3760,7 +4985,7 @@
           <a:p>
             <a:fld id="{D9F4958E-1F14-4B78-8714-8F2F4BB78383}" type="datetimeFigureOut">
               <a:rPr lang="en-US" smtClean="0"/>
-              <a:t>6/3/2024</a:t>
+              <a:t>6/5/2024</a:t>
             </a:fld>
             <a:endParaRPr lang="en-US"/>
           </a:p>
@@ -3878,7 +5103,7 @@
           <a:p>
             <a:fld id="{D9F4958E-1F14-4B78-8714-8F2F4BB78383}" type="datetimeFigureOut">
               <a:rPr lang="en-US" smtClean="0"/>
-              <a:t>6/3/2024</a:t>
+              <a:t>6/5/2024</a:t>
             </a:fld>
             <a:endParaRPr lang="en-US"/>
           </a:p>
@@ -3973,7 +5198,7 @@
           <a:p>
             <a:fld id="{D9F4958E-1F14-4B78-8714-8F2F4BB78383}" type="datetimeFigureOut">
               <a:rPr lang="en-US" smtClean="0"/>
-              <a:t>6/3/2024</a:t>
+              <a:t>6/5/2024</a:t>
             </a:fld>
             <a:endParaRPr lang="en-US"/>
           </a:p>
@@ -4250,7 +5475,7 @@
           <a:p>
             <a:fld id="{D9F4958E-1F14-4B78-8714-8F2F4BB78383}" type="datetimeFigureOut">
               <a:rPr lang="en-US" smtClean="0"/>
-              <a:t>6/3/2024</a:t>
+              <a:t>6/5/2024</a:t>
             </a:fld>
             <a:endParaRPr lang="en-US"/>
           </a:p>
@@ -4503,7 +5728,7 @@
           <a:p>
             <a:fld id="{D9F4958E-1F14-4B78-8714-8F2F4BB78383}" type="datetimeFigureOut">
               <a:rPr lang="en-US" smtClean="0"/>
-              <a:t>6/3/2024</a:t>
+              <a:t>6/5/2024</a:t>
             </a:fld>
             <a:endParaRPr lang="en-US"/>
           </a:p>
@@ -4716,7 +5941,7 @@
           <a:p>
             <a:fld id="{D9F4958E-1F14-4B78-8714-8F2F4BB78383}" type="datetimeFigureOut">
               <a:rPr lang="en-US" smtClean="0"/>
-              <a:t>6/3/2024</a:t>
+              <a:t>6/5/2024</a:t>
             </a:fld>
             <a:endParaRPr lang="en-US"/>
           </a:p>
@@ -5244,12 +6469,33 @@
             </a:r>
             <a:r>
               <a:rPr lang="en-US" dirty="0"/>
-              <a:t>is a higher-level abstraction for running code </a:t>
+              <a:t>is a higher-level abstraction for </a:t>
+            </a:r>
+            <a:r>
+              <a:rPr lang="en-US" b="1" dirty="0"/>
+              <a:t>running code </a:t>
+            </a:r>
+            <a:r>
+              <a:rPr lang="en-US" b="1" dirty="0"/>
+              <a:t>asynchronously</a:t>
+            </a:r>
+            <a:r>
+              <a:rPr lang="en-US" dirty="0"/>
+              <a:t>, can represent the </a:t>
+            </a:r>
+            <a:r>
+              <a:rPr lang="en-US" b="1" dirty="0"/>
+              <a:t>return value and the exceptions</a:t>
+            </a:r>
+            <a:r>
+              <a:rPr lang="en-US" dirty="0"/>
+              <a:t> significantly </a:t>
             </a:r>
             <a:r>
               <a:rPr lang="en-US" dirty="0" smtClean="0"/>
-              <a:t>asynchronously</a:t>
-            </a:r>
+              <a:t>easily.</a:t>
+            </a:r>
+            <a:endParaRPr lang="en-US" dirty="0" smtClean="0"/>
           </a:p>
           <a:p>
             <a:r>
@@ -5258,10 +6504,14 @@
             </a:r>
             <a:r>
               <a:rPr lang="en-US" dirty="0"/>
-              <a:t>task in C# is used to implement Task-based Asynchronous Programming and was introduced with the .NET Framework </a:t>
-            </a:r>
-            <a:r>
-              <a:rPr lang="en-US" dirty="0" smtClean="0"/>
+              <a:t>task in C# is used to implement Task-based Asynchronous Programming and was introduced with the </a:t>
+            </a:r>
+            <a:r>
+              <a:rPr lang="en-US" b="1" dirty="0"/>
+              <a:t>.NET Framework </a:t>
+            </a:r>
+            <a:r>
+              <a:rPr lang="en-US" b="1" dirty="0" smtClean="0"/>
               <a:t>4</a:t>
             </a:r>
           </a:p>
